--- a/docs/slides/Defence_presentation_MSAT-UI.pptx
+++ b/docs/slides/Defence_presentation_MSAT-UI.pptx
@@ -363,7 +363,7 @@
               <a:pPr>
                 <a:defRPr/>
               </a:pPr>
-              <a:t>20.10.2019</a:t>
+              <a:t>22.10.2019</a:t>
             </a:fld>
             <a:endParaRPr lang="de-DE"/>
           </a:p>
@@ -579,7 +579,7 @@
               <a:pPr>
                 <a:defRPr/>
               </a:pPr>
-              <a:t>20.10.2019</a:t>
+              <a:t>22.10.2019</a:t>
             </a:fld>
             <a:endParaRPr lang="de-DE"/>
           </a:p>
@@ -33071,6 +33071,61 @@
           </a:fontRef>
         </p:style>
       </p:cxnSp>
+      <p:sp>
+        <p:nvSpPr>
+          <p:cNvPr id="2" name="Speech Bubble: Rectangle with Corners Rounded 1">
+            <a:extLst>
+              <a:ext uri="{FF2B5EF4-FFF2-40B4-BE49-F238E27FC236}">
+                <a16:creationId xmlns:a16="http://schemas.microsoft.com/office/drawing/2014/main" id="{F9C6F440-11C8-4310-ABBE-F5E3E00E7CCC}"/>
+              </a:ext>
+            </a:extLst>
+          </p:cNvPr>
+          <p:cNvSpPr/>
+          <p:nvPr/>
+        </p:nvSpPr>
+        <p:spPr bwMode="auto">
+          <a:xfrm flipH="1">
+            <a:off x="3066500" y="2536024"/>
+            <a:ext cx="2054096" cy="792088"/>
+          </a:xfrm>
+          <a:prstGeom prst="wedgeRoundRectCallout">
+            <a:avLst/>
+          </a:prstGeom>
+          <a:ln>
+            <a:headEnd/>
+            <a:tailEnd/>
+          </a:ln>
+        </p:spPr>
+        <p:style>
+          <a:lnRef idx="1">
+            <a:schemeClr val="accent2"/>
+          </a:lnRef>
+          <a:fillRef idx="2">
+            <a:schemeClr val="accent2"/>
+          </a:fillRef>
+          <a:effectRef idx="1">
+            <a:schemeClr val="accent2"/>
+          </a:effectRef>
+          <a:fontRef idx="minor">
+            <a:schemeClr val="dk1"/>
+          </a:fontRef>
+        </p:style>
+        <p:txBody>
+          <a:bodyPr wrap="none" rtlCol="0" anchor="ctr"/>
+          <a:lstStyle/>
+          <a:p>
+            <a:pPr algn="ctr"/>
+            <a:r>
+              <a:rPr lang="en-GB" sz="1600" b="1" dirty="0">
+                <a:solidFill>
+                  <a:schemeClr val="tx1"/>
+                </a:solidFill>
+              </a:rPr>
+              <a:t>30min effort</a:t>
+            </a:r>
+          </a:p>
+        </p:txBody>
+      </p:sp>
     </p:spTree>
     <p:extLst>
       <p:ext uri="{BB962C8B-B14F-4D97-AF65-F5344CB8AC3E}">
@@ -33471,7 +33526,7 @@
                             </p:stCondLst>
                             <p:childTnLst>
                               <p:par>
-                                <p:cTn id="32" presetID="1" presetClass="exit" presetSubtype="0" fill="hold" nodeType="clickEffect">
+                                <p:cTn id="32" presetID="1" presetClass="entr" presetSubtype="0" fill="hold" grpId="0" nodeType="clickEffect">
                                   <p:stCondLst>
                                     <p:cond delay="0"/>
                                   </p:stCondLst>
@@ -33479,6 +33534,51 @@
                                     <p:set>
                                       <p:cBhvr>
                                         <p:cTn id="33" dur="1" fill="hold">
+                                          <p:stCondLst>
+                                            <p:cond delay="0"/>
+                                          </p:stCondLst>
+                                        </p:cTn>
+                                        <p:tgtEl>
+                                          <p:spTgt spid="2"/>
+                                        </p:tgtEl>
+                                        <p:attrNameLst>
+                                          <p:attrName>style.visibility</p:attrName>
+                                        </p:attrNameLst>
+                                      </p:cBhvr>
+                                      <p:to>
+                                        <p:strVal val="visible"/>
+                                      </p:to>
+                                    </p:set>
+                                  </p:childTnLst>
+                                </p:cTn>
+                              </p:par>
+                            </p:childTnLst>
+                          </p:cTn>
+                        </p:par>
+                      </p:childTnLst>
+                    </p:cTn>
+                  </p:par>
+                  <p:par>
+                    <p:cTn id="34" fill="hold">
+                      <p:stCondLst>
+                        <p:cond delay="indefinite"/>
+                      </p:stCondLst>
+                      <p:childTnLst>
+                        <p:par>
+                          <p:cTn id="35" fill="hold">
+                            <p:stCondLst>
+                              <p:cond delay="0"/>
+                            </p:stCondLst>
+                            <p:childTnLst>
+                              <p:par>
+                                <p:cTn id="36" presetID="1" presetClass="exit" presetSubtype="0" fill="hold" nodeType="clickEffect">
+                                  <p:stCondLst>
+                                    <p:cond delay="0"/>
+                                  </p:stCondLst>
+                                  <p:childTnLst>
+                                    <p:set>
+                                      <p:cBhvr>
+                                        <p:cTn id="37" dur="1" fill="hold">
                                           <p:stCondLst>
                                             <p:cond delay="0"/>
                                           </p:stCondLst>
@@ -33498,14 +33598,14 @@
                                 </p:cTn>
                               </p:par>
                               <p:par>
-                                <p:cTn id="34" presetID="1" presetClass="exit" presetSubtype="0" fill="hold" grpId="1" nodeType="withEffect">
+                                <p:cTn id="38" presetID="1" presetClass="exit" presetSubtype="0" fill="hold" grpId="1" nodeType="withEffect">
                                   <p:stCondLst>
                                     <p:cond delay="0"/>
                                   </p:stCondLst>
                                   <p:childTnLst>
                                     <p:set>
                                       <p:cBhvr>
-                                        <p:cTn id="35" dur="1" fill="hold">
+                                        <p:cTn id="39" dur="1" fill="hold">
                                           <p:stCondLst>
                                             <p:cond delay="0"/>
                                           </p:stCondLst>
@@ -33525,14 +33625,95 @@
                                 </p:cTn>
                               </p:par>
                               <p:par>
-                                <p:cTn id="36" presetID="53" presetClass="exit" presetSubtype="32" fill="hold" nodeType="withEffect">
+                                <p:cTn id="40" presetID="53" presetClass="exit" presetSubtype="32" fill="hold" grpId="1" nodeType="withEffect">
                                   <p:stCondLst>
                                     <p:cond delay="0"/>
                                   </p:stCondLst>
                                   <p:childTnLst>
                                     <p:anim calcmode="lin" valueType="num">
                                       <p:cBhvr>
-                                        <p:cTn id="37" dur="500"/>
+                                        <p:cTn id="41" dur="500"/>
+                                        <p:tgtEl>
+                                          <p:spTgt spid="2"/>
+                                        </p:tgtEl>
+                                        <p:attrNameLst>
+                                          <p:attrName>ppt_w</p:attrName>
+                                        </p:attrNameLst>
+                                      </p:cBhvr>
+                                      <p:tavLst>
+                                        <p:tav tm="0">
+                                          <p:val>
+                                            <p:strVal val="ppt_w"/>
+                                          </p:val>
+                                        </p:tav>
+                                        <p:tav tm="100000">
+                                          <p:val>
+                                            <p:fltVal val="0"/>
+                                          </p:val>
+                                        </p:tav>
+                                      </p:tavLst>
+                                    </p:anim>
+                                    <p:anim calcmode="lin" valueType="num">
+                                      <p:cBhvr>
+                                        <p:cTn id="42" dur="500"/>
+                                        <p:tgtEl>
+                                          <p:spTgt spid="2"/>
+                                        </p:tgtEl>
+                                        <p:attrNameLst>
+                                          <p:attrName>ppt_h</p:attrName>
+                                        </p:attrNameLst>
+                                      </p:cBhvr>
+                                      <p:tavLst>
+                                        <p:tav tm="0">
+                                          <p:val>
+                                            <p:strVal val="ppt_h"/>
+                                          </p:val>
+                                        </p:tav>
+                                        <p:tav tm="100000">
+                                          <p:val>
+                                            <p:fltVal val="0"/>
+                                          </p:val>
+                                        </p:tav>
+                                      </p:tavLst>
+                                    </p:anim>
+                                    <p:animEffect transition="out" filter="fade">
+                                      <p:cBhvr>
+                                        <p:cTn id="43" dur="500"/>
+                                        <p:tgtEl>
+                                          <p:spTgt spid="2"/>
+                                        </p:tgtEl>
+                                      </p:cBhvr>
+                                    </p:animEffect>
+                                    <p:set>
+                                      <p:cBhvr>
+                                        <p:cTn id="44" dur="1" fill="hold">
+                                          <p:stCondLst>
+                                            <p:cond delay="499"/>
+                                          </p:stCondLst>
+                                        </p:cTn>
+                                        <p:tgtEl>
+                                          <p:spTgt spid="2"/>
+                                        </p:tgtEl>
+                                        <p:attrNameLst>
+                                          <p:attrName>style.visibility</p:attrName>
+                                        </p:attrNameLst>
+                                      </p:cBhvr>
+                                      <p:to>
+                                        <p:strVal val="hidden"/>
+                                      </p:to>
+                                    </p:set>
+                                  </p:childTnLst>
+                                </p:cTn>
+                              </p:par>
+                              <p:par>
+                                <p:cTn id="45" presetID="53" presetClass="exit" presetSubtype="32" fill="hold" nodeType="withEffect">
+                                  <p:stCondLst>
+                                    <p:cond delay="0"/>
+                                  </p:stCondLst>
+                                  <p:childTnLst>
+                                    <p:anim calcmode="lin" valueType="num">
+                                      <p:cBhvr>
+                                        <p:cTn id="46" dur="500"/>
                                         <p:tgtEl>
                                           <p:spTgt spid="9"/>
                                         </p:tgtEl>
@@ -33555,7 +33736,7 @@
                                     </p:anim>
                                     <p:anim calcmode="lin" valueType="num">
                                       <p:cBhvr>
-                                        <p:cTn id="38" dur="500"/>
+                                        <p:cTn id="47" dur="500"/>
                                         <p:tgtEl>
                                           <p:spTgt spid="9"/>
                                         </p:tgtEl>
@@ -33578,7 +33759,7 @@
                                     </p:anim>
                                     <p:animEffect transition="out" filter="fade">
                                       <p:cBhvr>
-                                        <p:cTn id="39" dur="500"/>
+                                        <p:cTn id="48" dur="500"/>
                                         <p:tgtEl>
                                           <p:spTgt spid="9"/>
                                         </p:tgtEl>
@@ -33586,7 +33767,7 @@
                                     </p:animEffect>
                                     <p:set>
                                       <p:cBhvr>
-                                        <p:cTn id="40" dur="1" fill="hold">
+                                        <p:cTn id="49" dur="1" fill="hold">
                                           <p:stCondLst>
                                             <p:cond delay="499"/>
                                           </p:stCondLst>
@@ -33635,6 +33816,8 @@
     <p:bldLst>
       <p:bldP spid="10" grpId="0" animBg="1"/>
       <p:bldP spid="10" grpId="1" animBg="1"/>
+      <p:bldP spid="2" grpId="0" animBg="1"/>
+      <p:bldP spid="2" grpId="1" animBg="1"/>
     </p:bldLst>
   </p:timing>
 </p:sld>
@@ -38744,6 +38927,42 @@
           </a:prstGeom>
         </p:spPr>
       </p:pic>
+      <p:pic>
+        <p:nvPicPr>
+          <p:cNvPr id="7" name="Picture 6" descr="A screenshot of a computer screen&#10;&#10;Description automatically generated">
+            <a:extLst>
+              <a:ext uri="{FF2B5EF4-FFF2-40B4-BE49-F238E27FC236}">
+                <a16:creationId xmlns:a16="http://schemas.microsoft.com/office/drawing/2014/main" id="{803D4617-ACB0-46BA-9A20-5FD27DAB2FF8}"/>
+              </a:ext>
+            </a:extLst>
+          </p:cNvPr>
+          <p:cNvPicPr>
+            <a:picLocks noChangeAspect="1"/>
+          </p:cNvPicPr>
+          <p:nvPr/>
+        </p:nvPicPr>
+        <p:blipFill>
+          <a:blip r:embed="rId13">
+            <a:extLst>
+              <a:ext uri="{28A0092B-C50C-407E-A947-70E740481C1C}">
+                <a14:useLocalDpi xmlns:a14="http://schemas.microsoft.com/office/drawing/2010/main" val="0"/>
+              </a:ext>
+            </a:extLst>
+          </a:blip>
+          <a:stretch>
+            <a:fillRect/>
+          </a:stretch>
+        </p:blipFill>
+        <p:spPr>
+          <a:xfrm>
+            <a:off x="128568" y="806737"/>
+            <a:ext cx="9648968" cy="5529607"/>
+          </a:xfrm>
+          <a:prstGeom prst="rect">
+            <a:avLst/>
+          </a:prstGeom>
+        </p:spPr>
+      </p:pic>
     </p:spTree>
     <p:extLst>
       <p:ext uri="{BB962C8B-B14F-4D97-AF65-F5344CB8AC3E}">
@@ -38788,7 +39007,7 @@
                                           </p:stCondLst>
                                         </p:cTn>
                                         <p:tgtEl>
-                                          <p:spTgt spid="6"/>
+                                          <p:spTgt spid="23"/>
                                         </p:tgtEl>
                                         <p:attrNameLst>
                                           <p:attrName>style.visibility</p:attrName>
@@ -38802,7 +39021,7 @@
                                       <p:cBhvr>
                                         <p:cTn id="7" dur="500" fill="hold"/>
                                         <p:tgtEl>
-                                          <p:spTgt spid="6"/>
+                                          <p:spTgt spid="23"/>
                                         </p:tgtEl>
                                         <p:attrNameLst>
                                           <p:attrName>ppt_w</p:attrName>
@@ -38825,7 +39044,7 @@
                                       <p:cBhvr>
                                         <p:cTn id="8" dur="500" fill="hold"/>
                                         <p:tgtEl>
-                                          <p:spTgt spid="6"/>
+                                          <p:spTgt spid="23"/>
                                         </p:tgtEl>
                                         <p:attrNameLst>
                                           <p:attrName>ppt_h</p:attrName>
@@ -38848,7 +39067,7 @@
                                       <p:cBhvr>
                                         <p:cTn id="9" dur="500"/>
                                         <p:tgtEl>
-                                          <p:spTgt spid="6"/>
+                                          <p:spTgt spid="23"/>
                                         </p:tgtEl>
                                       </p:cBhvr>
                                     </p:animEffect>
@@ -38883,7 +39102,7 @@
                                       <p:cBhvr>
                                         <p:cTn id="13" dur="500"/>
                                         <p:tgtEl>
-                                          <p:spTgt spid="6"/>
+                                          <p:spTgt spid="23"/>
                                         </p:tgtEl>
                                         <p:attrNameLst>
                                           <p:attrName>ppt_w</p:attrName>
@@ -38906,7 +39125,7 @@
                                       <p:cBhvr>
                                         <p:cTn id="14" dur="500"/>
                                         <p:tgtEl>
-                                          <p:spTgt spid="6"/>
+                                          <p:spTgt spid="23"/>
                                         </p:tgtEl>
                                         <p:attrNameLst>
                                           <p:attrName>ppt_h</p:attrName>
@@ -38929,7 +39148,7 @@
                                       <p:cBhvr>
                                         <p:cTn id="15" dur="500"/>
                                         <p:tgtEl>
-                                          <p:spTgt spid="6"/>
+                                          <p:spTgt spid="23"/>
                                         </p:tgtEl>
                                       </p:cBhvr>
                                     </p:animEffect>
@@ -38941,7 +39160,7 @@
                                           </p:stCondLst>
                                         </p:cTn>
                                         <p:tgtEl>
-                                          <p:spTgt spid="6"/>
+                                          <p:spTgt spid="23"/>
                                         </p:tgtEl>
                                         <p:attrNameLst>
                                           <p:attrName>style.visibility</p:attrName>
@@ -38986,7 +39205,7 @@
                                           </p:stCondLst>
                                         </p:cTn>
                                         <p:tgtEl>
-                                          <p:spTgt spid="8"/>
+                                          <p:spTgt spid="6"/>
                                         </p:tgtEl>
                                         <p:attrNameLst>
                                           <p:attrName>style.visibility</p:attrName>
@@ -39000,7 +39219,7 @@
                                       <p:cBhvr>
                                         <p:cTn id="21" dur="500" fill="hold"/>
                                         <p:tgtEl>
-                                          <p:spTgt spid="8"/>
+                                          <p:spTgt spid="6"/>
                                         </p:tgtEl>
                                         <p:attrNameLst>
                                           <p:attrName>ppt_w</p:attrName>
@@ -39023,7 +39242,7 @@
                                       <p:cBhvr>
                                         <p:cTn id="22" dur="500" fill="hold"/>
                                         <p:tgtEl>
-                                          <p:spTgt spid="8"/>
+                                          <p:spTgt spid="6"/>
                                         </p:tgtEl>
                                         <p:attrNameLst>
                                           <p:attrName>ppt_h</p:attrName>
@@ -39046,7 +39265,7 @@
                                       <p:cBhvr>
                                         <p:cTn id="23" dur="500"/>
                                         <p:tgtEl>
-                                          <p:spTgt spid="8"/>
+                                          <p:spTgt spid="6"/>
                                         </p:tgtEl>
                                       </p:cBhvr>
                                     </p:animEffect>
@@ -39081,7 +39300,7 @@
                                       <p:cBhvr>
                                         <p:cTn id="27" dur="500"/>
                                         <p:tgtEl>
-                                          <p:spTgt spid="8"/>
+                                          <p:spTgt spid="6"/>
                                         </p:tgtEl>
                                         <p:attrNameLst>
                                           <p:attrName>ppt_w</p:attrName>
@@ -39104,7 +39323,7 @@
                                       <p:cBhvr>
                                         <p:cTn id="28" dur="500"/>
                                         <p:tgtEl>
-                                          <p:spTgt spid="8"/>
+                                          <p:spTgt spid="6"/>
                                         </p:tgtEl>
                                         <p:attrNameLst>
                                           <p:attrName>ppt_h</p:attrName>
@@ -39127,7 +39346,7 @@
                                       <p:cBhvr>
                                         <p:cTn id="29" dur="500"/>
                                         <p:tgtEl>
-                                          <p:spTgt spid="8"/>
+                                          <p:spTgt spid="6"/>
                                         </p:tgtEl>
                                       </p:cBhvr>
                                     </p:animEffect>
@@ -39139,7 +39358,7 @@
                                           </p:stCondLst>
                                         </p:cTn>
                                         <p:tgtEl>
-                                          <p:spTgt spid="8"/>
+                                          <p:spTgt spid="6"/>
                                         </p:tgtEl>
                                         <p:attrNameLst>
                                           <p:attrName>style.visibility</p:attrName>
@@ -39184,7 +39403,7 @@
                                           </p:stCondLst>
                                         </p:cTn>
                                         <p:tgtEl>
-                                          <p:spTgt spid="23"/>
+                                          <p:spTgt spid="8"/>
                                         </p:tgtEl>
                                         <p:attrNameLst>
                                           <p:attrName>style.visibility</p:attrName>
@@ -39198,7 +39417,7 @@
                                       <p:cBhvr>
                                         <p:cTn id="35" dur="500" fill="hold"/>
                                         <p:tgtEl>
-                                          <p:spTgt spid="23"/>
+                                          <p:spTgt spid="8"/>
                                         </p:tgtEl>
                                         <p:attrNameLst>
                                           <p:attrName>ppt_w</p:attrName>
@@ -39221,7 +39440,7 @@
                                       <p:cBhvr>
                                         <p:cTn id="36" dur="500" fill="hold"/>
                                         <p:tgtEl>
-                                          <p:spTgt spid="23"/>
+                                          <p:spTgt spid="8"/>
                                         </p:tgtEl>
                                         <p:attrNameLst>
                                           <p:attrName>ppt_h</p:attrName>
@@ -39244,7 +39463,7 @@
                                       <p:cBhvr>
                                         <p:cTn id="37" dur="500"/>
                                         <p:tgtEl>
-                                          <p:spTgt spid="23"/>
+                                          <p:spTgt spid="8"/>
                                         </p:tgtEl>
                                       </p:cBhvr>
                                     </p:animEffect>
@@ -39279,7 +39498,7 @@
                                       <p:cBhvr>
                                         <p:cTn id="41" dur="500"/>
                                         <p:tgtEl>
-                                          <p:spTgt spid="23"/>
+                                          <p:spTgt spid="8"/>
                                         </p:tgtEl>
                                         <p:attrNameLst>
                                           <p:attrName>ppt_w</p:attrName>
@@ -39302,7 +39521,7 @@
                                       <p:cBhvr>
                                         <p:cTn id="42" dur="500"/>
                                         <p:tgtEl>
-                                          <p:spTgt spid="23"/>
+                                          <p:spTgt spid="8"/>
                                         </p:tgtEl>
                                         <p:attrNameLst>
                                           <p:attrName>ppt_h</p:attrName>
@@ -39325,7 +39544,7 @@
                                       <p:cBhvr>
                                         <p:cTn id="43" dur="500"/>
                                         <p:tgtEl>
-                                          <p:spTgt spid="23"/>
+                                          <p:spTgt spid="8"/>
                                         </p:tgtEl>
                                       </p:cBhvr>
                                     </p:animEffect>
@@ -39337,7 +39556,7 @@
                                           </p:stCondLst>
                                         </p:cTn>
                                         <p:tgtEl>
-                                          <p:spTgt spid="23"/>
+                                          <p:spTgt spid="8"/>
                                         </p:tgtEl>
                                         <p:attrNameLst>
                                           <p:attrName>style.visibility</p:attrName>
@@ -39382,7 +39601,7 @@
                                           </p:stCondLst>
                                         </p:cTn>
                                         <p:tgtEl>
-                                          <p:spTgt spid="25"/>
+                                          <p:spTgt spid="7"/>
                                         </p:tgtEl>
                                         <p:attrNameLst>
                                           <p:attrName>style.visibility</p:attrName>
@@ -39396,7 +39615,7 @@
                                       <p:cBhvr>
                                         <p:cTn id="49" dur="500" fill="hold"/>
                                         <p:tgtEl>
-                                          <p:spTgt spid="25"/>
+                                          <p:spTgt spid="7"/>
                                         </p:tgtEl>
                                         <p:attrNameLst>
                                           <p:attrName>ppt_w</p:attrName>
@@ -39419,7 +39638,7 @@
                                       <p:cBhvr>
                                         <p:cTn id="50" dur="500" fill="hold"/>
                                         <p:tgtEl>
-                                          <p:spTgt spid="25"/>
+                                          <p:spTgt spid="7"/>
                                         </p:tgtEl>
                                         <p:attrNameLst>
                                           <p:attrName>ppt_h</p:attrName>
@@ -39442,7 +39661,7 @@
                                       <p:cBhvr>
                                         <p:cTn id="51" dur="500"/>
                                         <p:tgtEl>
-                                          <p:spTgt spid="25"/>
+                                          <p:spTgt spid="7"/>
                                         </p:tgtEl>
                                       </p:cBhvr>
                                     </p:animEffect>
@@ -39477,7 +39696,7 @@
                                       <p:cBhvr>
                                         <p:cTn id="55" dur="500"/>
                                         <p:tgtEl>
-                                          <p:spTgt spid="25"/>
+                                          <p:spTgt spid="7"/>
                                         </p:tgtEl>
                                         <p:attrNameLst>
                                           <p:attrName>ppt_w</p:attrName>
@@ -39500,7 +39719,7 @@
                                       <p:cBhvr>
                                         <p:cTn id="56" dur="500"/>
                                         <p:tgtEl>
-                                          <p:spTgt spid="25"/>
+                                          <p:spTgt spid="7"/>
                                         </p:tgtEl>
                                         <p:attrNameLst>
                                           <p:attrName>ppt_h</p:attrName>
@@ -39523,7 +39742,7 @@
                                       <p:cBhvr>
                                         <p:cTn id="57" dur="500"/>
                                         <p:tgtEl>
-                                          <p:spTgt spid="25"/>
+                                          <p:spTgt spid="7"/>
                                         </p:tgtEl>
                                       </p:cBhvr>
                                     </p:animEffect>
@@ -39535,7 +39754,7 @@
                                           </p:stCondLst>
                                         </p:cTn>
                                         <p:tgtEl>
-                                          <p:spTgt spid="25"/>
+                                          <p:spTgt spid="7"/>
                                         </p:tgtEl>
                                         <p:attrNameLst>
                                           <p:attrName>style.visibility</p:attrName>
@@ -39580,7 +39799,7 @@
                                           </p:stCondLst>
                                         </p:cTn>
                                         <p:tgtEl>
-                                          <p:spTgt spid="27"/>
+                                          <p:spTgt spid="25"/>
                                         </p:tgtEl>
                                         <p:attrNameLst>
                                           <p:attrName>style.visibility</p:attrName>
@@ -39594,7 +39813,7 @@
                                       <p:cBhvr>
                                         <p:cTn id="63" dur="500" fill="hold"/>
                                         <p:tgtEl>
-                                          <p:spTgt spid="27"/>
+                                          <p:spTgt spid="25"/>
                                         </p:tgtEl>
                                         <p:attrNameLst>
                                           <p:attrName>ppt_w</p:attrName>
@@ -39617,7 +39836,7 @@
                                       <p:cBhvr>
                                         <p:cTn id="64" dur="500" fill="hold"/>
                                         <p:tgtEl>
-                                          <p:spTgt spid="27"/>
+                                          <p:spTgt spid="25"/>
                                         </p:tgtEl>
                                         <p:attrNameLst>
                                           <p:attrName>ppt_h</p:attrName>
@@ -39640,7 +39859,7 @@
                                       <p:cBhvr>
                                         <p:cTn id="65" dur="500"/>
                                         <p:tgtEl>
-                                          <p:spTgt spid="27"/>
+                                          <p:spTgt spid="25"/>
                                         </p:tgtEl>
                                       </p:cBhvr>
                                     </p:animEffect>
@@ -39675,7 +39894,7 @@
                                       <p:cBhvr>
                                         <p:cTn id="69" dur="500"/>
                                         <p:tgtEl>
-                                          <p:spTgt spid="27"/>
+                                          <p:spTgt spid="25"/>
                                         </p:tgtEl>
                                         <p:attrNameLst>
                                           <p:attrName>ppt_w</p:attrName>
@@ -39698,7 +39917,7 @@
                                       <p:cBhvr>
                                         <p:cTn id="70" dur="500"/>
                                         <p:tgtEl>
-                                          <p:spTgt spid="27"/>
+                                          <p:spTgt spid="25"/>
                                         </p:tgtEl>
                                         <p:attrNameLst>
                                           <p:attrName>ppt_h</p:attrName>
@@ -39721,13 +39940,211 @@
                                       <p:cBhvr>
                                         <p:cTn id="71" dur="500"/>
                                         <p:tgtEl>
+                                          <p:spTgt spid="25"/>
+                                        </p:tgtEl>
+                                      </p:cBhvr>
+                                    </p:animEffect>
+                                    <p:set>
+                                      <p:cBhvr>
+                                        <p:cTn id="72" dur="1" fill="hold">
+                                          <p:stCondLst>
+                                            <p:cond delay="499"/>
+                                          </p:stCondLst>
+                                        </p:cTn>
+                                        <p:tgtEl>
+                                          <p:spTgt spid="25"/>
+                                        </p:tgtEl>
+                                        <p:attrNameLst>
+                                          <p:attrName>style.visibility</p:attrName>
+                                        </p:attrNameLst>
+                                      </p:cBhvr>
+                                      <p:to>
+                                        <p:strVal val="hidden"/>
+                                      </p:to>
+                                    </p:set>
+                                  </p:childTnLst>
+                                </p:cTn>
+                              </p:par>
+                            </p:childTnLst>
+                          </p:cTn>
+                        </p:par>
+                      </p:childTnLst>
+                    </p:cTn>
+                  </p:par>
+                  <p:par>
+                    <p:cTn id="73" fill="hold">
+                      <p:stCondLst>
+                        <p:cond delay="indefinite"/>
+                      </p:stCondLst>
+                      <p:childTnLst>
+                        <p:par>
+                          <p:cTn id="74" fill="hold">
+                            <p:stCondLst>
+                              <p:cond delay="0"/>
+                            </p:stCondLst>
+                            <p:childTnLst>
+                              <p:par>
+                                <p:cTn id="75" presetID="53" presetClass="entr" presetSubtype="16" fill="hold" nodeType="clickEffect">
+                                  <p:stCondLst>
+                                    <p:cond delay="0"/>
+                                  </p:stCondLst>
+                                  <p:childTnLst>
+                                    <p:set>
+                                      <p:cBhvr>
+                                        <p:cTn id="76" dur="1" fill="hold">
+                                          <p:stCondLst>
+                                            <p:cond delay="0"/>
+                                          </p:stCondLst>
+                                        </p:cTn>
+                                        <p:tgtEl>
+                                          <p:spTgt spid="27"/>
+                                        </p:tgtEl>
+                                        <p:attrNameLst>
+                                          <p:attrName>style.visibility</p:attrName>
+                                        </p:attrNameLst>
+                                      </p:cBhvr>
+                                      <p:to>
+                                        <p:strVal val="visible"/>
+                                      </p:to>
+                                    </p:set>
+                                    <p:anim calcmode="lin" valueType="num">
+                                      <p:cBhvr>
+                                        <p:cTn id="77" dur="500" fill="hold"/>
+                                        <p:tgtEl>
+                                          <p:spTgt spid="27"/>
+                                        </p:tgtEl>
+                                        <p:attrNameLst>
+                                          <p:attrName>ppt_w</p:attrName>
+                                        </p:attrNameLst>
+                                      </p:cBhvr>
+                                      <p:tavLst>
+                                        <p:tav tm="0">
+                                          <p:val>
+                                            <p:fltVal val="0"/>
+                                          </p:val>
+                                        </p:tav>
+                                        <p:tav tm="100000">
+                                          <p:val>
+                                            <p:strVal val="#ppt_w"/>
+                                          </p:val>
+                                        </p:tav>
+                                      </p:tavLst>
+                                    </p:anim>
+                                    <p:anim calcmode="lin" valueType="num">
+                                      <p:cBhvr>
+                                        <p:cTn id="78" dur="500" fill="hold"/>
+                                        <p:tgtEl>
+                                          <p:spTgt spid="27"/>
+                                        </p:tgtEl>
+                                        <p:attrNameLst>
+                                          <p:attrName>ppt_h</p:attrName>
+                                        </p:attrNameLst>
+                                      </p:cBhvr>
+                                      <p:tavLst>
+                                        <p:tav tm="0">
+                                          <p:val>
+                                            <p:fltVal val="0"/>
+                                          </p:val>
+                                        </p:tav>
+                                        <p:tav tm="100000">
+                                          <p:val>
+                                            <p:strVal val="#ppt_h"/>
+                                          </p:val>
+                                        </p:tav>
+                                      </p:tavLst>
+                                    </p:anim>
+                                    <p:animEffect transition="in" filter="fade">
+                                      <p:cBhvr>
+                                        <p:cTn id="79" dur="500"/>
+                                        <p:tgtEl>
+                                          <p:spTgt spid="27"/>
+                                        </p:tgtEl>
+                                      </p:cBhvr>
+                                    </p:animEffect>
+                                  </p:childTnLst>
+                                </p:cTn>
+                              </p:par>
+                            </p:childTnLst>
+                          </p:cTn>
+                        </p:par>
+                      </p:childTnLst>
+                    </p:cTn>
+                  </p:par>
+                  <p:par>
+                    <p:cTn id="80" fill="hold">
+                      <p:stCondLst>
+                        <p:cond delay="indefinite"/>
+                      </p:stCondLst>
+                      <p:childTnLst>
+                        <p:par>
+                          <p:cTn id="81" fill="hold">
+                            <p:stCondLst>
+                              <p:cond delay="0"/>
+                            </p:stCondLst>
+                            <p:childTnLst>
+                              <p:par>
+                                <p:cTn id="82" presetID="53" presetClass="exit" presetSubtype="32" fill="hold" nodeType="clickEffect">
+                                  <p:stCondLst>
+                                    <p:cond delay="0"/>
+                                  </p:stCondLst>
+                                  <p:childTnLst>
+                                    <p:anim calcmode="lin" valueType="num">
+                                      <p:cBhvr>
+                                        <p:cTn id="83" dur="500"/>
+                                        <p:tgtEl>
+                                          <p:spTgt spid="27"/>
+                                        </p:tgtEl>
+                                        <p:attrNameLst>
+                                          <p:attrName>ppt_w</p:attrName>
+                                        </p:attrNameLst>
+                                      </p:cBhvr>
+                                      <p:tavLst>
+                                        <p:tav tm="0">
+                                          <p:val>
+                                            <p:strVal val="ppt_w"/>
+                                          </p:val>
+                                        </p:tav>
+                                        <p:tav tm="100000">
+                                          <p:val>
+                                            <p:fltVal val="0"/>
+                                          </p:val>
+                                        </p:tav>
+                                      </p:tavLst>
+                                    </p:anim>
+                                    <p:anim calcmode="lin" valueType="num">
+                                      <p:cBhvr>
+                                        <p:cTn id="84" dur="500"/>
+                                        <p:tgtEl>
+                                          <p:spTgt spid="27"/>
+                                        </p:tgtEl>
+                                        <p:attrNameLst>
+                                          <p:attrName>ppt_h</p:attrName>
+                                        </p:attrNameLst>
+                                      </p:cBhvr>
+                                      <p:tavLst>
+                                        <p:tav tm="0">
+                                          <p:val>
+                                            <p:strVal val="ppt_h"/>
+                                          </p:val>
+                                        </p:tav>
+                                        <p:tav tm="100000">
+                                          <p:val>
+                                            <p:fltVal val="0"/>
+                                          </p:val>
+                                        </p:tav>
+                                      </p:tavLst>
+                                    </p:anim>
+                                    <p:animEffect transition="out" filter="fade">
+                                      <p:cBhvr>
+                                        <p:cTn id="85" dur="500"/>
+                                        <p:tgtEl>
                                           <p:spTgt spid="27"/>
                                         </p:tgtEl>
                                       </p:cBhvr>
                                     </p:animEffect>
                                     <p:set>
                                       <p:cBhvr>
-                                        <p:cTn id="72" dur="1" fill="hold">
+                                        <p:cTn id="86" dur="1" fill="hold">
                                           <p:stCondLst>
                                             <p:cond delay="499"/>
                                           </p:stCondLst>

--- a/docs/slides/Defence_presentation_MSAT-UI.pptx
+++ b/docs/slides/Defence_presentation_MSAT-UI.pptx
@@ -29155,12 +29155,8 @@
               <a:buChar char="n"/>
             </a:pPr>
             <a:r>
-              <a:rPr lang="en-GB" dirty="0" err="1"/>
-              <a:t>Seperate</a:t>
-            </a:r>
-            <a:r>
               <a:rPr lang="en-GB" dirty="0"/>
-              <a:t> List</a:t>
+              <a:t>Separate List</a:t>
             </a:r>
           </a:p>
         </p:txBody>

--- a/docs/slides/Defence_presentation_MSAT-UI.pptx
+++ b/docs/slides/Defence_presentation_MSAT-UI.pptx
@@ -42172,7 +42172,7 @@
         </p:blipFill>
         <p:spPr>
           <a:xfrm>
-            <a:off x="8697412" y="4095404"/>
+            <a:off x="8697416" y="3717032"/>
             <a:ext cx="339331" cy="339331"/>
           </a:xfrm>
           <a:prstGeom prst="rect">
@@ -42316,8 +42316,8 @@
         </p:blipFill>
         <p:spPr>
           <a:xfrm>
-            <a:off x="128464" y="237953"/>
-            <a:ext cx="9649072" cy="6143375"/>
+            <a:off x="128463" y="313753"/>
+            <a:ext cx="9530019" cy="6067576"/>
           </a:xfrm>
           <a:prstGeom prst="rect">
             <a:avLst/>
@@ -42352,8 +42352,8 @@
         </p:blipFill>
         <p:spPr>
           <a:xfrm>
-            <a:off x="128464" y="237953"/>
-            <a:ext cx="9649072" cy="6143375"/>
+            <a:off x="128464" y="312911"/>
+            <a:ext cx="9531341" cy="6068418"/>
           </a:xfrm>
           <a:prstGeom prst="rect">
             <a:avLst/>
@@ -42388,8 +42388,8 @@
         </p:blipFill>
         <p:spPr>
           <a:xfrm>
-            <a:off x="128464" y="235968"/>
-            <a:ext cx="9649072" cy="6143375"/>
+            <a:off x="128464" y="274898"/>
+            <a:ext cx="9587929" cy="6104446"/>
           </a:xfrm>
           <a:prstGeom prst="rect">
             <a:avLst/>
@@ -42424,8 +42424,8 @@
         </p:blipFill>
         <p:spPr>
           <a:xfrm>
-            <a:off x="52164" y="237953"/>
-            <a:ext cx="9725372" cy="6141390"/>
+            <a:off x="119647" y="274899"/>
+            <a:ext cx="9666869" cy="6104446"/>
           </a:xfrm>
           <a:prstGeom prst="rect">
             <a:avLst/>
@@ -42460,8 +42460,8 @@
         </p:blipFill>
         <p:spPr>
           <a:xfrm>
-            <a:off x="23442" y="237953"/>
-            <a:ext cx="9754094" cy="6141390"/>
+            <a:off x="104300" y="271897"/>
+            <a:ext cx="9666869" cy="6086471"/>
           </a:xfrm>
           <a:prstGeom prst="rect">
             <a:avLst/>
